--- a/cache/3b27600c-3668-4abd-8f84-7bcdebbccbdb/lec17-gui-events.pptx
+++ b/cache/3b27600c-3668-4abd-8f84-7bcdebbccbdb/lec17-gui-events.pptx
@@ -84,7 +84,7 @@
         <p:txBody>
           <a:bodyPr/>
           <a:p>
-            <a:fld id="{15D1724F-1334-4269-82D9-0DFFA3C3F33B}" type="slidenum">
+            <a:fld id="{9D2A2B57-6555-4834-8861-E57FC793A5A8}" type="slidenum">
               <a:t>&lt;#&gt;</a:t>
             </a:fld>
           </a:p>
@@ -278,7 +278,7 @@
         <p:txBody>
           <a:bodyPr/>
           <a:p>
-            <a:fld id="{0963E797-58CA-4A06-8E60-FB03E207CB08}" type="slidenum">
+            <a:fld id="{880FAAFE-B7A1-4406-9BC2-D04F06E7B49E}" type="slidenum">
               <a:t>&lt;#&gt;</a:t>
             </a:fld>
           </a:p>
@@ -546,7 +546,7 @@
         <p:txBody>
           <a:bodyPr/>
           <a:p>
-            <a:fld id="{C05A2B62-44AB-4801-BFAE-FD05FCFCE540}" type="slidenum">
+            <a:fld id="{7534017E-285F-4182-9F0E-3DF76DB7165A}" type="slidenum">
               <a:t>&lt;#&gt;</a:t>
             </a:fld>
           </a:p>
@@ -888,7 +888,7 @@
         <p:txBody>
           <a:bodyPr/>
           <a:p>
-            <a:fld id="{43E9A599-D81E-4291-A9C6-08A14EF9A966}" type="slidenum">
+            <a:fld id="{A33D6954-AA45-4469-961C-08097B751E47}" type="slidenum">
               <a:t>&lt;#&gt;</a:t>
             </a:fld>
           </a:p>
@@ -971,7 +971,7 @@
         <p:txBody>
           <a:bodyPr/>
           <a:p>
-            <a:fld id="{4C9B26C3-6A4C-43DA-9131-2EFCCA53910C}" type="slidenum">
+            <a:fld id="{A5CA3969-7C3A-48BB-9170-39666715CBD1}" type="slidenum">
               <a:t>&lt;#&gt;</a:t>
             </a:fld>
           </a:p>
@@ -1128,7 +1128,7 @@
         <p:txBody>
           <a:bodyPr/>
           <a:p>
-            <a:fld id="{8B2D9A3A-65A9-43F8-A0B9-067DF210E6FF}" type="slidenum">
+            <a:fld id="{428FEA21-2987-4242-A95C-0816F0262861}" type="slidenum">
               <a:t>&lt;#&gt;</a:t>
             </a:fld>
           </a:p>
@@ -1285,7 +1285,7 @@
         <p:txBody>
           <a:bodyPr/>
           <a:p>
-            <a:fld id="{E3F21B1E-2383-4DC0-A8CD-7D661E147210}" type="slidenum">
+            <a:fld id="{3FD23971-F7B3-418C-A5E6-E898CF9FA5B4}" type="slidenum">
               <a:t>&lt;#&gt;</a:t>
             </a:fld>
           </a:p>
@@ -1479,7 +1479,7 @@
         <p:txBody>
           <a:bodyPr/>
           <a:p>
-            <a:fld id="{43607133-0778-4BB2-A685-2278495DD3F8}" type="slidenum">
+            <a:fld id="{27E5263C-F0D5-4450-B249-20FDE9AA200E}" type="slidenum">
               <a:t>&lt;#&gt;</a:t>
             </a:fld>
           </a:p>
@@ -1599,7 +1599,7 @@
         <p:txBody>
           <a:bodyPr/>
           <a:p>
-            <a:fld id="{72FC77B7-00D4-4DFC-BA1A-33D26DC7A955}" type="slidenum">
+            <a:fld id="{C1BF1B5B-1EFE-47FB-A0A2-EB33C113EEB9}" type="slidenum">
               <a:t>&lt;#&gt;</a:t>
             </a:fld>
           </a:p>
@@ -1719,7 +1719,7 @@
         <p:txBody>
           <a:bodyPr/>
           <a:p>
-            <a:fld id="{0268B358-A82D-44CC-9465-5552C7AEB477}" type="slidenum">
+            <a:fld id="{52D77B0B-36C5-4E59-AD3F-3CB834834D3A}" type="slidenum">
               <a:t>&lt;#&gt;</a:t>
             </a:fld>
           </a:p>
@@ -1950,7 +1950,7 @@
         <p:txBody>
           <a:bodyPr/>
           <a:p>
-            <a:fld id="{36227CDE-C449-4EC3-8F96-FF338BBFCA97}" type="slidenum">
+            <a:fld id="{A2E866C7-A9C5-4094-A31D-1FF66E99646B}" type="slidenum">
               <a:t>&lt;#&gt;</a:t>
             </a:fld>
           </a:p>
@@ -2107,7 +2107,7 @@
         <p:txBody>
           <a:bodyPr/>
           <a:p>
-            <a:fld id="{5A7C9ECF-D14B-41F4-A289-4A166F655FE3}" type="slidenum">
+            <a:fld id="{763FBEE6-935A-4CAD-9FB8-52CD4729D770}" type="slidenum">
               <a:t>&lt;#&gt;</a:t>
             </a:fld>
           </a:p>
@@ -2338,7 +2338,7 @@
         <p:txBody>
           <a:bodyPr/>
           <a:p>
-            <a:fld id="{DFDCAD00-3D77-4CC0-AF7D-AE61B240084C}" type="slidenum">
+            <a:fld id="{741E9DC9-979A-48AD-B51A-681651751FEF}" type="slidenum">
               <a:t>&lt;#&gt;</a:t>
             </a:fld>
           </a:p>
@@ -2569,7 +2569,7 @@
         <p:txBody>
           <a:bodyPr/>
           <a:p>
-            <a:fld id="{57E8D188-D432-4EF8-B26C-5B92460B4B64}" type="slidenum">
+            <a:fld id="{2DD6DB14-6068-4C3D-ADEA-E76697263264}" type="slidenum">
               <a:t>&lt;#&gt;</a:t>
             </a:fld>
           </a:p>
@@ -2763,7 +2763,7 @@
         <p:txBody>
           <a:bodyPr/>
           <a:p>
-            <a:fld id="{5FA0545F-9061-4159-AE1B-E9037EB64B07}" type="slidenum">
+            <a:fld id="{283072E5-FF6E-470F-BB7A-1F29F37A2120}" type="slidenum">
               <a:t>&lt;#&gt;</a:t>
             </a:fld>
           </a:p>
@@ -3031,7 +3031,7 @@
         <p:txBody>
           <a:bodyPr/>
           <a:p>
-            <a:fld id="{CECA9703-883C-40A4-B5B6-1B6E1D676F16}" type="slidenum">
+            <a:fld id="{35164517-357B-4473-A660-E5B721398830}" type="slidenum">
               <a:t>&lt;#&gt;</a:t>
             </a:fld>
           </a:p>
@@ -3373,7 +3373,7 @@
         <p:txBody>
           <a:bodyPr/>
           <a:p>
-            <a:fld id="{460DE33A-AB3A-463D-9AF8-3ADAF43288D9}" type="slidenum">
+            <a:fld id="{986B434D-51A8-4623-BAF7-96D4C8B2E226}" type="slidenum">
               <a:t>&lt;#&gt;</a:t>
             </a:fld>
           </a:p>
@@ -3456,7 +3456,7 @@
         <p:txBody>
           <a:bodyPr/>
           <a:p>
-            <a:fld id="{2B19144A-7FE2-435D-B62E-29C690AF8844}" type="slidenum">
+            <a:fld id="{18933D4D-94EA-4C10-B03A-8664D4ABE386}" type="slidenum">
               <a:t>&lt;#&gt;</a:t>
             </a:fld>
           </a:p>
@@ -3613,7 +3613,7 @@
         <p:txBody>
           <a:bodyPr/>
           <a:p>
-            <a:fld id="{62470C3F-1F6B-44EA-A267-4DA0D83B77FD}" type="slidenum">
+            <a:fld id="{2659E1FA-2326-4D97-A29B-5600510EC148}" type="slidenum">
               <a:t>&lt;#&gt;</a:t>
             </a:fld>
           </a:p>
@@ -3770,7 +3770,7 @@
         <p:txBody>
           <a:bodyPr/>
           <a:p>
-            <a:fld id="{FC005DEB-446E-4F31-B982-58686A0C4006}" type="slidenum">
+            <a:fld id="{99361E72-EE38-4366-9063-0284C9DD1093}" type="slidenum">
               <a:t>&lt;#&gt;</a:t>
             </a:fld>
           </a:p>
@@ -3964,7 +3964,7 @@
         <p:txBody>
           <a:bodyPr/>
           <a:p>
-            <a:fld id="{A63B00F6-DB95-4183-AC92-96289F9148D3}" type="slidenum">
+            <a:fld id="{AAF09D16-1139-4B97-A1AE-5973C8CF72A8}" type="slidenum">
               <a:t>&lt;#&gt;</a:t>
             </a:fld>
           </a:p>
@@ -4084,7 +4084,7 @@
         <p:txBody>
           <a:bodyPr/>
           <a:p>
-            <a:fld id="{8E792A8E-998E-4E9E-BB1C-3858F0ED998F}" type="slidenum">
+            <a:fld id="{B9A3EE19-8667-48A7-AC5D-4AA3BB8F9F88}" type="slidenum">
               <a:t>&lt;#&gt;</a:t>
             </a:fld>
           </a:p>
@@ -4241,7 +4241,7 @@
         <p:txBody>
           <a:bodyPr/>
           <a:p>
-            <a:fld id="{7F416817-4F2B-4EA9-BF61-1F88428BEF0B}" type="slidenum">
+            <a:fld id="{B7C07C56-F055-4C98-9945-05907DAE3AEF}" type="slidenum">
               <a:t>&lt;#&gt;</a:t>
             </a:fld>
           </a:p>
@@ -4361,7 +4361,7 @@
         <p:txBody>
           <a:bodyPr/>
           <a:p>
-            <a:fld id="{A6375D62-B813-47A3-BEBB-A96D0171035F}" type="slidenum">
+            <a:fld id="{D50194FD-8677-4786-AF6F-34CFF0A8AF55}" type="slidenum">
               <a:t>&lt;#&gt;</a:t>
             </a:fld>
           </a:p>
@@ -4592,7 +4592,7 @@
         <p:txBody>
           <a:bodyPr/>
           <a:p>
-            <a:fld id="{979AF8AD-3F3F-4C3B-AF3D-3E779438CDA7}" type="slidenum">
+            <a:fld id="{C578F484-EE67-4790-904A-3EFE140CB54D}" type="slidenum">
               <a:t>&lt;#&gt;</a:t>
             </a:fld>
           </a:p>
@@ -4823,7 +4823,7 @@
         <p:txBody>
           <a:bodyPr/>
           <a:p>
-            <a:fld id="{D37D77D4-5417-46A9-889E-0D79ABC375E4}" type="slidenum">
+            <a:fld id="{58C5C958-1CF6-41C4-8C9B-5C164D511720}" type="slidenum">
               <a:t>&lt;#&gt;</a:t>
             </a:fld>
           </a:p>
@@ -5054,7 +5054,7 @@
         <p:txBody>
           <a:bodyPr/>
           <a:p>
-            <a:fld id="{7EEEA10C-B548-4B45-8D1D-4397C6FFF1A4}" type="slidenum">
+            <a:fld id="{F0AC272D-5537-48FA-BAE9-B7281FC2C4BA}" type="slidenum">
               <a:t>&lt;#&gt;</a:t>
             </a:fld>
           </a:p>
@@ -5248,7 +5248,7 @@
         <p:txBody>
           <a:bodyPr/>
           <a:p>
-            <a:fld id="{4A7DE3D4-B3CC-4AAF-96E4-0E29C165516E}" type="slidenum">
+            <a:fld id="{073CE69D-7FA2-4183-8830-2956B0FC7270}" type="slidenum">
               <a:t>&lt;#&gt;</a:t>
             </a:fld>
           </a:p>
@@ -5516,7 +5516,7 @@
         <p:txBody>
           <a:bodyPr/>
           <a:p>
-            <a:fld id="{C13675D6-24D0-4AD3-A5A3-601DB2AB875D}" type="slidenum">
+            <a:fld id="{185476F4-D305-4C19-8CD3-680D4E690B1D}" type="slidenum">
               <a:t>&lt;#&gt;</a:t>
             </a:fld>
           </a:p>
@@ -5858,7 +5858,7 @@
         <p:txBody>
           <a:bodyPr/>
           <a:p>
-            <a:fld id="{62C6411A-CE64-49D6-B044-09448B93C8C7}" type="slidenum">
+            <a:fld id="{2FE3E7B3-AF02-4E96-B086-30E0850DC8A1}" type="slidenum">
               <a:t>&lt;#&gt;</a:t>
             </a:fld>
           </a:p>
@@ -5941,7 +5941,7 @@
         <p:txBody>
           <a:bodyPr/>
           <a:p>
-            <a:fld id="{2B5E0A0F-F3E3-4BEF-8659-AA72CC6C33A9}" type="slidenum">
+            <a:fld id="{7A84AC6A-290B-452C-A28C-614BF53CCE3E}" type="slidenum">
               <a:t>&lt;#&gt;</a:t>
             </a:fld>
           </a:p>
@@ -6098,7 +6098,7 @@
         <p:txBody>
           <a:bodyPr/>
           <a:p>
-            <a:fld id="{D1754ADE-B30B-4D43-BC9E-5BBE5EC206A8}" type="slidenum">
+            <a:fld id="{CDA16B6B-6E5D-4D38-B108-53D3718AB542}" type="slidenum">
               <a:t>&lt;#&gt;</a:t>
             </a:fld>
           </a:p>
@@ -6255,7 +6255,7 @@
         <p:txBody>
           <a:bodyPr/>
           <a:p>
-            <a:fld id="{5F8286DF-BEA9-4D4E-ADEC-FEDC895F7A63}" type="slidenum">
+            <a:fld id="{2E0FCEC9-1175-4E82-B81E-A263F8C975D2}" type="slidenum">
               <a:t>&lt;#&gt;</a:t>
             </a:fld>
           </a:p>
@@ -6449,7 +6449,7 @@
         <p:txBody>
           <a:bodyPr/>
           <a:p>
-            <a:fld id="{85F46169-1551-412C-B135-614744BDDC45}" type="slidenum">
+            <a:fld id="{E20CBBBD-B5F1-478A-B253-736F9F57EC4A}" type="slidenum">
               <a:t>&lt;#&gt;</a:t>
             </a:fld>
           </a:p>
@@ -6643,7 +6643,7 @@
         <p:txBody>
           <a:bodyPr/>
           <a:p>
-            <a:fld id="{C77BAED3-041B-436C-A5B7-5EC88097ADE5}" type="slidenum">
+            <a:fld id="{67BD0507-EA2F-4226-A8AF-AD961B76C792}" type="slidenum">
               <a:t>&lt;#&gt;</a:t>
             </a:fld>
           </a:p>
@@ -6763,7 +6763,7 @@
         <p:txBody>
           <a:bodyPr/>
           <a:p>
-            <a:fld id="{D81BDA47-EB19-4D8F-8A68-C6C1564A6E09}" type="slidenum">
+            <a:fld id="{96B27191-765E-48EB-9AA2-90454EDE36DC}" type="slidenum">
               <a:t>&lt;#&gt;</a:t>
             </a:fld>
           </a:p>
@@ -6883,7 +6883,7 @@
         <p:txBody>
           <a:bodyPr/>
           <a:p>
-            <a:fld id="{14C47DA7-2EDF-4488-B94F-36F0EE415D48}" type="slidenum">
+            <a:fld id="{64EAA555-E158-40EE-87BD-1FA132925004}" type="slidenum">
               <a:t>&lt;#&gt;</a:t>
             </a:fld>
           </a:p>
@@ -7114,7 +7114,7 @@
         <p:txBody>
           <a:bodyPr/>
           <a:p>
-            <a:fld id="{F84FC442-78B0-411D-AD30-261CB4CF58B5}" type="slidenum">
+            <a:fld id="{0DD30C57-D5E7-4E2B-94B3-7F201DDBDA84}" type="slidenum">
               <a:t>&lt;#&gt;</a:t>
             </a:fld>
           </a:p>
@@ -7345,7 +7345,7 @@
         <p:txBody>
           <a:bodyPr/>
           <a:p>
-            <a:fld id="{BF506233-B102-4865-8E48-60AB5DE1EFDA}" type="slidenum">
+            <a:fld id="{EC1DFB2D-7359-421F-9FDB-4492C9CBEDF6}" type="slidenum">
               <a:t>&lt;#&gt;</a:t>
             </a:fld>
           </a:p>
@@ -7576,7 +7576,7 @@
         <p:txBody>
           <a:bodyPr/>
           <a:p>
-            <a:fld id="{7D0C1644-2F74-4008-8CA1-32E5A40B9A43}" type="slidenum">
+            <a:fld id="{80B18AE4-129E-41F9-ABC6-DAA6AA6E29BA}" type="slidenum">
               <a:t>&lt;#&gt;</a:t>
             </a:fld>
           </a:p>
@@ -7770,7 +7770,7 @@
         <p:txBody>
           <a:bodyPr/>
           <a:p>
-            <a:fld id="{64814CD0-0E08-474E-92DA-B314F8FA3004}" type="slidenum">
+            <a:fld id="{B9831C53-907A-4A58-B1DC-71F7F3FCD93B}" type="slidenum">
               <a:t>&lt;#&gt;</a:t>
             </a:fld>
           </a:p>
@@ -8038,7 +8038,7 @@
         <p:txBody>
           <a:bodyPr/>
           <a:p>
-            <a:fld id="{10885247-CFEE-4EC6-AF5B-3A6C60773D4D}" type="slidenum">
+            <a:fld id="{D65AAEB9-CD22-44C5-9E58-AC2875A97CFC}" type="slidenum">
               <a:t>&lt;#&gt;</a:t>
             </a:fld>
           </a:p>
@@ -8380,7 +8380,7 @@
         <p:txBody>
           <a:bodyPr/>
           <a:p>
-            <a:fld id="{76E01B60-D243-4460-9BB0-CC090829D298}" type="slidenum">
+            <a:fld id="{E99837F4-ACBE-4AB5-8131-14794F714DA4}" type="slidenum">
               <a:t>&lt;#&gt;</a:t>
             </a:fld>
           </a:p>
@@ -8500,7 +8500,7 @@
         <p:txBody>
           <a:bodyPr/>
           <a:p>
-            <a:fld id="{1290614B-C800-47F1-B062-DBEE17188780}" type="slidenum">
+            <a:fld id="{5FE7DFBC-2FE7-4467-864A-7163B6615620}" type="slidenum">
               <a:t>&lt;#&gt;</a:t>
             </a:fld>
           </a:p>
@@ -8620,7 +8620,7 @@
         <p:txBody>
           <a:bodyPr/>
           <a:p>
-            <a:fld id="{8419741E-0688-4A71-BDED-9DBED9AF7E2C}" type="slidenum">
+            <a:fld id="{FA10DB46-71B8-42FB-B40F-5F8EB84D09E1}" type="slidenum">
               <a:t>&lt;#&gt;</a:t>
             </a:fld>
           </a:p>
@@ -8851,7 +8851,7 @@
         <p:txBody>
           <a:bodyPr/>
           <a:p>
-            <a:fld id="{96A62EF9-614F-41BB-B430-D193466F1FF5}" type="slidenum">
+            <a:fld id="{102F173C-9AE5-4BF4-980A-5D22801D14A5}" type="slidenum">
               <a:t>&lt;#&gt;</a:t>
             </a:fld>
           </a:p>
@@ -9082,7 +9082,7 @@
         <p:txBody>
           <a:bodyPr/>
           <a:p>
-            <a:fld id="{63D62729-6946-49F5-816F-A653531F1C74}" type="slidenum">
+            <a:fld id="{6740C6BE-1EE2-4E74-83B7-F336C2BF35DE}" type="slidenum">
               <a:t>&lt;#&gt;</a:t>
             </a:fld>
           </a:p>
@@ -9313,7 +9313,7 @@
         <p:txBody>
           <a:bodyPr/>
           <a:p>
-            <a:fld id="{2D39542A-CE72-417E-95E1-1922ED067B5F}" type="slidenum">
+            <a:fld id="{BA1BFFF6-3040-4E9E-8ED6-A1D5B705EC67}" type="slidenum">
               <a:t>&lt;#&gt;</a:t>
             </a:fld>
           </a:p>
@@ -9351,7 +9351,7 @@
     <p:bg>
       <p:bgPr>
         <a:solidFill>
-          <a:srgbClr val="ffffff"/>
+          <a:srgbClr val="729fcf"/>
         </a:solidFill>
       </p:bgPr>
     </p:bg>
@@ -9679,7 +9679,7 @@
               </a:lnSpc>
               <a:buNone/>
             </a:pPr>
-            <a:fld id="{89ED6D92-6E8E-4E9F-88C7-56308A2549D3}" type="slidenum">
+            <a:fld id="{784981AE-5DE8-4674-8A94-DC62ED9F666C}" type="slidenum">
               <a:rPr b="0" lang="en-US" sz="1400" spc="-1" strike="noStrike">
                 <a:solidFill>
                   <a:srgbClr val="000000"/>
@@ -10396,7 +10396,7 @@
               </a:lnSpc>
               <a:buNone/>
             </a:pPr>
-            <a:fld id="{90B2B0D1-F856-44B1-BF64-05F93A38C973}" type="slidenum">
+            <a:fld id="{7C2810FF-47D4-49F4-87CD-7EFAA27DCADD}" type="slidenum">
               <a:rPr b="0" lang="en-US" sz="1400" spc="-1" strike="noStrike">
                 <a:solidFill>
                   <a:srgbClr val="800080"/>
@@ -10888,7 +10888,7 @@
               </a:lnSpc>
               <a:buNone/>
             </a:pPr>
-            <a:fld id="{7522FDE3-B69A-4EDF-9ACF-DC766C9928D2}" type="slidenum">
+            <a:fld id="{176CB308-ABD7-43DD-A727-81602C662ED5}" type="slidenum">
               <a:rPr b="0" lang="en-US" sz="1400" spc="-1" strike="noStrike">
                 <a:solidFill>
                   <a:srgbClr val="800080"/>
@@ -11201,7 +11201,7 @@
               </a:lnSpc>
               <a:buNone/>
             </a:pPr>
-            <a:fld id="{00745E3F-B261-4445-BA29-969BC6640191}" type="slidenum">
+            <a:fld id="{C5805009-F7F4-4843-8FE0-C7599DB9D81E}" type="slidenum">
               <a:rPr b="0" lang="en-US" sz="1400" spc="-1" strike="noStrike">
                 <a:solidFill>
                   <a:srgbClr val="800080"/>
@@ -11767,7 +11767,7 @@
               </a:lnSpc>
               <a:buNone/>
             </a:pPr>
-            <a:fld id="{A67DCA71-ED69-451E-8A08-36B1D6DAA3A1}" type="slidenum">
+            <a:fld id="{78C77568-3B7B-49EF-905D-1EA353453D86}" type="slidenum">
               <a:rPr b="0" lang="en-US" sz="1400" spc="-1" strike="noStrike">
                 <a:solidFill>
                   <a:srgbClr val="800080"/>
@@ -12123,7 +12123,7 @@
               </a:lnSpc>
               <a:buNone/>
             </a:pPr>
-            <a:fld id="{040F1D6E-19C9-4B86-B32A-0BCDA28F1C58}" type="slidenum">
+            <a:fld id="{E0578B16-CE99-46A2-A962-54CE01901595}" type="slidenum">
               <a:rPr b="0" lang="en-US" sz="1400" spc="-1" strike="noStrike">
                 <a:solidFill>
                   <a:srgbClr val="800080"/>
@@ -12633,7 +12633,7 @@
               </a:lnSpc>
               <a:buNone/>
             </a:pPr>
-            <a:fld id="{DE24BFD0-5483-424B-ADDD-3D3832F08FD9}" type="slidenum">
+            <a:fld id="{E7C3921F-F508-437E-A4B0-A79783E2CA7A}" type="slidenum">
               <a:rPr b="0" lang="en-US" sz="1400" spc="-1" strike="noStrike">
                 <a:solidFill>
                   <a:srgbClr val="800080"/>
@@ -13284,7 +13284,7 @@
               </a:lnSpc>
               <a:buNone/>
             </a:pPr>
-            <a:fld id="{F27462AD-ED23-4369-AF36-C905D89232B3}" type="slidenum">
+            <a:fld id="{624FAC8D-5421-473A-B22C-B835AF937B8D}" type="slidenum">
               <a:rPr b="0" lang="en-US" sz="1400" spc="-1" strike="noStrike">
                 <a:solidFill>
                   <a:srgbClr val="800080"/>
@@ -14818,7 +14818,7 @@
               </a:lnSpc>
               <a:buNone/>
             </a:pPr>
-            <a:fld id="{DA1460D4-5322-428F-BF30-3F46308AFF57}" type="slidenum">
+            <a:fld id="{870CE3EF-CA9F-467F-9EA2-3BC7A6663808}" type="slidenum">
               <a:rPr b="0" lang="en-US" sz="1400" spc="-1" strike="noStrike">
                 <a:solidFill>
                   <a:srgbClr val="800080"/>
@@ -15025,25 +15025,7 @@
                 </a:solidFill>
                 <a:latin typeface="Arial"/>
               </a:rPr>
-              <a:t>Why create a complete class (anonymous or otherwise) if you </a:t>
-            </a:r>
-            <a:r>
-              <a:rPr b="0" lang="en-US" sz="2000" spc="-1" strike="noStrike">
-                <a:solidFill>
-                  <a:srgbClr val="000000"/>
-                </a:solidFill>
-                <a:latin typeface="Arial"/>
-              </a:rPr>
-              <a:t>just want to define a method to be called when a button is </a:t>
-            </a:r>
-            <a:r>
-              <a:rPr b="0" lang="en-US" sz="2000" spc="-1" strike="noStrike">
-                <a:solidFill>
-                  <a:srgbClr val="000000"/>
-                </a:solidFill>
-                <a:latin typeface="Arial"/>
-              </a:rPr>
-              <a:t>clicked?</a:t>
+              <a:t>Why create a complete class (anonymous or otherwise) if you just want to define a method to be called when a button is clicked?</a:t>
             </a:r>
             <a:endParaRPr b="0" lang="en-US" sz="2000" spc="-1" strike="noStrike">
               <a:solidFill>
@@ -15119,16 +15101,7 @@
                 </a:solidFill>
                 <a:latin typeface="Arial"/>
               </a:rPr>
-              <a:t>– anonymous methods – for situations </a:t>
-            </a:r>
-            <a:r>
-              <a:rPr b="0" lang="en-US" sz="2000" spc="-1" strike="noStrike">
-                <a:solidFill>
-                  <a:srgbClr val="000000"/>
-                </a:solidFill>
-                <a:latin typeface="Arial"/>
-              </a:rPr>
-              <a:t>like this</a:t>
+              <a:t>– anonymous methods – for situations like this</a:t>
             </a:r>
             <a:endParaRPr b="0" lang="en-US" sz="2000" spc="-1" strike="noStrike">
               <a:solidFill>
@@ -15161,25 +15134,7 @@
                 </a:solidFill>
                 <a:latin typeface="Arial"/>
               </a:rPr>
-              <a:t>Limitation: a lambda is not a complete object, so if you </a:t>
-            </a:r>
-            <a:r>
-              <a:rPr b="0" lang="en-US" sz="2000" spc="-1" strike="noStrike">
-                <a:solidFill>
-                  <a:srgbClr val="000000"/>
-                </a:solidFill>
-                <a:latin typeface="Arial"/>
-              </a:rPr>
-              <a:t>want private state, constructors, etc., you want an </a:t>
-            </a:r>
-            <a:r>
-              <a:rPr b="0" lang="en-US" sz="2000" spc="-1" strike="noStrike">
-                <a:solidFill>
-                  <a:srgbClr val="000000"/>
-                </a:solidFill>
-                <a:latin typeface="Arial"/>
-              </a:rPr>
-              <a:t>anonymous or named class instead</a:t>
+              <a:t>Limitation: a lambda is not a complete object, so if you want private state, constructors, etc., you want an anonymous or named class instead</a:t>
             </a:r>
             <a:endParaRPr b="0" lang="en-US" sz="2000" spc="-1" strike="noStrike">
               <a:solidFill>
@@ -15263,16 +15218,7 @@
                 </a:solidFill>
                 <a:latin typeface="Arial"/>
               </a:rPr>
-              <a:t> you understand what’s </a:t>
-            </a:r>
-            <a:r>
-              <a:rPr b="0" lang="en-US" sz="2000" spc="-1" strike="noStrike">
-                <a:solidFill>
-                  <a:srgbClr val="000000"/>
-                </a:solidFill>
-                <a:latin typeface="Arial"/>
-              </a:rPr>
-              <a:t>happening</a:t>
+              <a:t> you understand what’s happening</a:t>
             </a:r>
             <a:endParaRPr b="0" lang="en-US" sz="2000" spc="-1" strike="noStrike">
               <a:solidFill>
@@ -15463,7 +15409,7 @@
               </a:lnSpc>
               <a:buNone/>
             </a:pPr>
-            <a:fld id="{560C7097-6D03-450C-A1FD-1A050894CF08}" type="slidenum">
+            <a:fld id="{A5837A78-C24F-4B48-8C47-2BA17B44E473}" type="slidenum">
               <a:rPr b="0" lang="en-US" sz="1400" spc="-1" strike="noStrike">
                 <a:solidFill>
                   <a:srgbClr val="800080"/>
@@ -16038,7 +15984,7 @@
               </a:lnSpc>
               <a:buNone/>
             </a:pPr>
-            <a:fld id="{F676A3B5-8A53-4CB9-A4D2-FA95C2543ECE}" type="slidenum">
+            <a:fld id="{1E755F48-94A0-4FA1-8521-99659C079F96}" type="slidenum">
               <a:rPr b="0" lang="en-US" sz="1400" spc="-1" strike="noStrike">
                 <a:solidFill>
                   <a:srgbClr val="800080"/>
@@ -16183,7 +16129,7 @@
               </a:lnSpc>
               <a:buNone/>
             </a:pPr>
-            <a:fld id="{6CB39FC6-42E5-48BB-A111-624EAEAF4914}" type="slidenum">
+            <a:fld id="{94561409-E0A9-4DA8-A63C-53C2498AC7B5}" type="slidenum">
               <a:rPr b="0" lang="en-US" sz="1400" spc="-1" strike="noStrike">
                 <a:solidFill>
                   <a:srgbClr val="800080"/>
@@ -18017,7 +17963,7 @@
         <p:txBody>
           <a:bodyPr/>
           <a:p>
-            <a:fld id="{EE7761A0-C32B-4E52-9F08-698916BC108A}" type="slidenum">
+            <a:fld id="{33309704-E0CC-4AD0-BFE1-B2C0C80DB150}" type="slidenum">
               <a:t>17</a:t>
             </a:fld>
           </a:p>
@@ -18633,7 +18579,7 @@
         <p:txBody>
           <a:bodyPr/>
           <a:p>
-            <a:fld id="{B311CEDE-FC19-4F65-8F2B-4B37E2BD2F4D}" type="slidenum">
+            <a:fld id="{E0840901-6420-42B7-BA55-A35B56861A86}" type="slidenum">
               <a:t>18</a:t>
             </a:fld>
           </a:p>
@@ -19051,7 +18997,7 @@
               </a:lnSpc>
               <a:buNone/>
             </a:pPr>
-            <a:fld id="{A07026E5-9D4E-4A29-AA4D-5B48753DE5E2}" type="slidenum">
+            <a:fld id="{974D1A6F-BBED-47F0-B341-AB10A77B0967}" type="slidenum">
               <a:rPr b="0" lang="en-US" sz="1400" spc="-1" strike="noStrike">
                 <a:solidFill>
                   <a:srgbClr val="800080"/>
@@ -19145,13 +19091,6 @@
 <file path=ppt/slides/slide2.xml><?xml version="1.0" encoding="utf-8"?>
 <p:sld xmlns:a="http://schemas.openxmlformats.org/drawingml/2006/main" xmlns:p="http://schemas.openxmlformats.org/presentationml/2006/main" xmlns:r="http://schemas.openxmlformats.org/officeDocument/2006/relationships" xmlns:p14="http://schemas.microsoft.com/office/powerpoint/2010/main" xmlns:p15="http://schemas.microsoft.com/office/powerpoint/2012/main" xmlns:mc="http://schemas.openxmlformats.org/markup-compatibility/2006">
   <p:cSld>
-    <p:bg>
-      <p:bgPr>
-        <a:solidFill>
-          <a:srgbClr val="b4c7dc"/>
-        </a:solidFill>
-      </p:bgPr>
-    </p:bg>
     <p:spTree>
       <p:nvGrpSpPr>
         <p:cNvPr id="1" name=""/>
@@ -19556,7 +19495,7 @@
               </a:lnSpc>
               <a:buNone/>
             </a:pPr>
-            <a:fld id="{437110CF-473C-48CC-8AE0-4B9CBF901408}" type="slidenum">
+            <a:fld id="{91C109B0-948B-434B-A7A2-FC1BC95FE3EB}" type="slidenum">
               <a:rPr b="0" lang="en-US" sz="1400" spc="-1" strike="noStrike">
                 <a:solidFill>
                   <a:srgbClr val="800080"/>
@@ -20140,7 +20079,7 @@
               </a:lnSpc>
               <a:buNone/>
             </a:pPr>
-            <a:fld id="{63C7C106-A46F-488F-80E7-46C068C6B6A9}" type="slidenum">
+            <a:fld id="{2C514C71-1DDB-46AD-BF23-EB83E64A7902}" type="slidenum">
               <a:rPr b="0" lang="en-US" sz="1400" spc="-1" strike="noStrike">
                 <a:solidFill>
                   <a:srgbClr val="800080"/>
@@ -20655,7 +20594,7 @@
               </a:lnSpc>
               <a:buNone/>
             </a:pPr>
-            <a:fld id="{E1FFFEA8-A2F5-41F3-9FFE-591E6A06DEF1}" type="slidenum">
+            <a:fld id="{E0E1755F-C9A6-488F-A7CD-98DC5E260ECC}" type="slidenum">
               <a:rPr b="0" lang="en-US" sz="1400" spc="-1" strike="noStrike">
                 <a:solidFill>
                   <a:srgbClr val="800080"/>
@@ -21069,7 +21008,7 @@
               </a:lnSpc>
               <a:buNone/>
             </a:pPr>
-            <a:fld id="{127F9EBB-C633-4085-83CC-82083C7BF7A3}" type="slidenum">
+            <a:fld id="{B91767E6-DA90-4BBF-B1BB-DC81741A65EB}" type="slidenum">
               <a:rPr b="0" lang="en-US" sz="1400" spc="-1" strike="noStrike">
                 <a:solidFill>
                   <a:srgbClr val="800080"/>
@@ -21751,7 +21690,7 @@
               </a:lnSpc>
               <a:buNone/>
             </a:pPr>
-            <a:fld id="{AF094ED4-B061-46EC-AA13-263568A0294E}" type="slidenum">
+            <a:fld id="{0387110C-0D64-423E-9337-AA3FDB0F57FD}" type="slidenum">
               <a:rPr b="0" lang="en-US" sz="1400" spc="-1" strike="noStrike">
                 <a:solidFill>
                   <a:srgbClr val="800080"/>
@@ -22337,7 +22276,7 @@
               </a:lnSpc>
               <a:buNone/>
             </a:pPr>
-            <a:fld id="{02826596-8ABC-4A09-A716-B96288D60132}" type="slidenum">
+            <a:fld id="{3E9CC32D-F695-49ED-BD9C-38439F57A2AF}" type="slidenum">
               <a:rPr b="0" lang="en-US" sz="1400" spc="-1" strike="noStrike">
                 <a:solidFill>
                   <a:srgbClr val="800080"/>
@@ -22857,7 +22796,7 @@
               </a:lnSpc>
               <a:buNone/>
             </a:pPr>
-            <a:fld id="{5944939B-85A4-4AA3-AB38-C47223B25A20}" type="slidenum">
+            <a:fld id="{E63D2472-428D-4745-8D5F-82656C5D8F87}" type="slidenum">
               <a:rPr b="0" lang="en-US" sz="1400" spc="-1" strike="noStrike">
                 <a:solidFill>
                   <a:srgbClr val="800080"/>
@@ -23290,7 +23229,7 @@
               </a:lnSpc>
               <a:buNone/>
             </a:pPr>
-            <a:fld id="{0A5725B0-DAA9-4101-AF00-3A48EB6C00D5}" type="slidenum">
+            <a:fld id="{B2870DA2-4570-452B-B618-4E210ED59DC5}" type="slidenum">
               <a:rPr b="0" lang="en-US" sz="1400" spc="-1" strike="noStrike">
                 <a:solidFill>
                   <a:srgbClr val="800080"/>
